--- a/Unit 15 - Assignment 2 - SH/assets/design.pptx
+++ b/Unit 15 - Assignment 2 - SH/assets/design.pptx
@@ -110,6 +110,11 @@
       </a:defRPr>
     </a:lvl9pPr>
   </p:defaultTextStyle>
+  <p:extLst>
+    <p:ext uri="{EFAFB233-063F-42B5-8137-9DF3F51BA10A}">
+      <p15:sldGuideLst xmlns:p15="http://schemas.microsoft.com/office/powerpoint/2012/main"/>
+    </p:ext>
+  </p:extLst>
 </p:presentation>
 </file>
 
@@ -5096,7 +5101,7 @@
         <p:spPr>
           <a:xfrm>
             <a:off x="437321" y="1337366"/>
-            <a:ext cx="11092069" cy="1415772"/>
+            <a:ext cx="11092069" cy="1692771"/>
           </a:xfrm>
           <a:prstGeom prst="rect">
             <a:avLst/>
@@ -5137,6 +5142,12 @@
             <a:r>
               <a:rPr lang="en-GB" dirty="0"/>
               <a:t>You are able to work from home too; just tell us in your application.</a:t>
+            </a:r>
+          </a:p>
+          <a:p>
+            <a:r>
+              <a:rPr lang="en-GB" dirty="0"/>
+              <a:t>Take a look at W3Schools or Udemy for web development courses.</a:t>
             </a:r>
           </a:p>
         </p:txBody>
@@ -5214,14 +5225,14 @@
           <p:nvPr>
             <p:extLst>
               <p:ext uri="{D42A27DB-BD31-4B8C-83A1-F6EECF244321}">
-                <p14:modId xmlns:p14="http://schemas.microsoft.com/office/powerpoint/2010/main" val="3273175654"/>
+                <p14:modId xmlns:p14="http://schemas.microsoft.com/office/powerpoint/2010/main" val="4105899739"/>
               </p:ext>
             </p:extLst>
           </p:nvPr>
         </p:nvGraphicFramePr>
         <p:xfrm>
-          <a:off x="437321" y="2925608"/>
-          <a:ext cx="11264352" cy="3083007"/>
+          <a:off x="437321" y="3535210"/>
+          <a:ext cx="11264352" cy="2412091"/>
         </p:xfrm>
         <a:graphic>
           <a:graphicData uri="http://schemas.openxmlformats.org/drawingml/2006/table">
@@ -5544,63 +5555,6 @@
                 <a:extLst>
                   <a:ext uri="{0D108BD9-81ED-4DB2-BD59-A6C34878D82A}">
                     <a16:rowId xmlns:a16="http://schemas.microsoft.com/office/drawing/2014/main" val="827116"/>
-                  </a:ext>
-                </a:extLst>
-              </a:tr>
-              <a:tr h="670916">
-                <a:tc>
-                  <a:txBody>
-                    <a:bodyPr/>
-                    <a:lstStyle/>
-                    <a:p>
-                      <a:endParaRPr lang="en-GB"/>
-                    </a:p>
-                  </a:txBody>
-                  <a:tcPr/>
-                </a:tc>
-                <a:tc>
-                  <a:txBody>
-                    <a:bodyPr/>
-                    <a:lstStyle/>
-                    <a:p>
-                      <a:endParaRPr lang="en-GB" dirty="0"/>
-                    </a:p>
-                  </a:txBody>
-                  <a:tcPr/>
-                </a:tc>
-                <a:tc>
-                  <a:txBody>
-                    <a:bodyPr/>
-                    <a:lstStyle/>
-                    <a:p>
-                      <a:endParaRPr lang="en-GB"/>
-                    </a:p>
-                  </a:txBody>
-                  <a:tcPr/>
-                </a:tc>
-                <a:tc>
-                  <a:txBody>
-                    <a:bodyPr/>
-                    <a:lstStyle/>
-                    <a:p>
-                      <a:endParaRPr lang="en-GB"/>
-                    </a:p>
-                  </a:txBody>
-                  <a:tcPr/>
-                </a:tc>
-                <a:tc>
-                  <a:txBody>
-                    <a:bodyPr/>
-                    <a:lstStyle/>
-                    <a:p>
-                      <a:endParaRPr lang="en-GB" dirty="0"/>
-                    </a:p>
-                  </a:txBody>
-                  <a:tcPr/>
-                </a:tc>
-                <a:extLst>
-                  <a:ext uri="{0D108BD9-81ED-4DB2-BD59-A6C34878D82A}">
-                    <a16:rowId xmlns:a16="http://schemas.microsoft.com/office/drawing/2014/main" val="1132858699"/>
                   </a:ext>
                 </a:extLst>
               </a:tr>

--- a/Unit 15 - Assignment 2 - SH/assets/design.pptx
+++ b/Unit 15 - Assignment 2 - SH/assets/design.pptx
@@ -5,13 +5,14 @@
     <p:sldMasterId id="2147483648" r:id="rId1"/>
   </p:sldMasterIdLst>
   <p:notesMasterIdLst>
-    <p:notesMasterId r:id="rId6"/>
+    <p:notesMasterId r:id="rId7"/>
   </p:notesMasterIdLst>
   <p:sldIdLst>
     <p:sldId id="256" r:id="rId2"/>
     <p:sldId id="257" r:id="rId3"/>
     <p:sldId id="258" r:id="rId4"/>
     <p:sldId id="259" r:id="rId5"/>
+    <p:sldId id="260" r:id="rId6"/>
   </p:sldIdLst>
   <p:sldSz cx="12192000" cy="6858000"/>
   <p:notesSz cx="6858000" cy="9144000"/>
@@ -200,7 +201,7 @@
           <a:p>
             <a:fld id="{D3ABB12D-F27F-417B-8865-8E0F48AC9851}" type="datetimeFigureOut">
               <a:rPr lang="en-GB" smtClean="0"/>
-              <a:t>04/01/2023</a:t>
+              <a:t>01/02/2023</a:t>
             </a:fld>
             <a:endParaRPr lang="en-GB"/>
           </a:p>
@@ -701,7 +702,7 @@
           <a:p>
             <a:fld id="{C8210EA9-76E0-4A85-97A1-69F0E8004F07}" type="datetimeFigureOut">
               <a:rPr lang="en-GB" smtClean="0"/>
-              <a:t>04/01/2023</a:t>
+              <a:t>01/02/2023</a:t>
             </a:fld>
             <a:endParaRPr lang="en-GB"/>
           </a:p>
@@ -901,7 +902,7 @@
           <a:p>
             <a:fld id="{C8210EA9-76E0-4A85-97A1-69F0E8004F07}" type="datetimeFigureOut">
               <a:rPr lang="en-GB" smtClean="0"/>
-              <a:t>04/01/2023</a:t>
+              <a:t>01/02/2023</a:t>
             </a:fld>
             <a:endParaRPr lang="en-GB"/>
           </a:p>
@@ -1111,7 +1112,7 @@
           <a:p>
             <a:fld id="{C8210EA9-76E0-4A85-97A1-69F0E8004F07}" type="datetimeFigureOut">
               <a:rPr lang="en-GB" smtClean="0"/>
-              <a:t>04/01/2023</a:t>
+              <a:t>01/02/2023</a:t>
             </a:fld>
             <a:endParaRPr lang="en-GB"/>
           </a:p>
@@ -1311,7 +1312,7 @@
           <a:p>
             <a:fld id="{C8210EA9-76E0-4A85-97A1-69F0E8004F07}" type="datetimeFigureOut">
               <a:rPr lang="en-GB" smtClean="0"/>
-              <a:t>04/01/2023</a:t>
+              <a:t>01/02/2023</a:t>
             </a:fld>
             <a:endParaRPr lang="en-GB"/>
           </a:p>
@@ -1587,7 +1588,7 @@
           <a:p>
             <a:fld id="{C8210EA9-76E0-4A85-97A1-69F0E8004F07}" type="datetimeFigureOut">
               <a:rPr lang="en-GB" smtClean="0"/>
-              <a:t>04/01/2023</a:t>
+              <a:t>01/02/2023</a:t>
             </a:fld>
             <a:endParaRPr lang="en-GB"/>
           </a:p>
@@ -1855,7 +1856,7 @@
           <a:p>
             <a:fld id="{C8210EA9-76E0-4A85-97A1-69F0E8004F07}" type="datetimeFigureOut">
               <a:rPr lang="en-GB" smtClean="0"/>
-              <a:t>04/01/2023</a:t>
+              <a:t>01/02/2023</a:t>
             </a:fld>
             <a:endParaRPr lang="en-GB"/>
           </a:p>
@@ -2270,7 +2271,7 @@
           <a:p>
             <a:fld id="{C8210EA9-76E0-4A85-97A1-69F0E8004F07}" type="datetimeFigureOut">
               <a:rPr lang="en-GB" smtClean="0"/>
-              <a:t>04/01/2023</a:t>
+              <a:t>01/02/2023</a:t>
             </a:fld>
             <a:endParaRPr lang="en-GB"/>
           </a:p>
@@ -2412,7 +2413,7 @@
           <a:p>
             <a:fld id="{C8210EA9-76E0-4A85-97A1-69F0E8004F07}" type="datetimeFigureOut">
               <a:rPr lang="en-GB" smtClean="0"/>
-              <a:t>04/01/2023</a:t>
+              <a:t>01/02/2023</a:t>
             </a:fld>
             <a:endParaRPr lang="en-GB"/>
           </a:p>
@@ -2525,7 +2526,7 @@
           <a:p>
             <a:fld id="{C8210EA9-76E0-4A85-97A1-69F0E8004F07}" type="datetimeFigureOut">
               <a:rPr lang="en-GB" smtClean="0"/>
-              <a:t>04/01/2023</a:t>
+              <a:t>01/02/2023</a:t>
             </a:fld>
             <a:endParaRPr lang="en-GB"/>
           </a:p>
@@ -2838,7 +2839,7 @@
           <a:p>
             <a:fld id="{C8210EA9-76E0-4A85-97A1-69F0E8004F07}" type="datetimeFigureOut">
               <a:rPr lang="en-GB" smtClean="0"/>
-              <a:t>04/01/2023</a:t>
+              <a:t>01/02/2023</a:t>
             </a:fld>
             <a:endParaRPr lang="en-GB"/>
           </a:p>
@@ -3127,7 +3128,7 @@
           <a:p>
             <a:fld id="{C8210EA9-76E0-4A85-97A1-69F0E8004F07}" type="datetimeFigureOut">
               <a:rPr lang="en-GB" smtClean="0"/>
-              <a:t>04/01/2023</a:t>
+              <a:t>01/02/2023</a:t>
             </a:fld>
             <a:endParaRPr lang="en-GB"/>
           </a:p>
@@ -3370,7 +3371,7 @@
           <a:p>
             <a:fld id="{C8210EA9-76E0-4A85-97A1-69F0E8004F07}" type="datetimeFigureOut">
               <a:rPr lang="en-GB" smtClean="0"/>
-              <a:t>04/01/2023</a:t>
+              <a:t>01/02/2023</a:t>
             </a:fld>
             <a:endParaRPr lang="en-GB"/>
           </a:p>
@@ -4055,64 +4056,6 @@
       </p:sp>
       <p:sp>
         <p:nvSpPr>
-          <p:cNvPr id="12" name="Action Button: Blank 11">
-            <a:hlinkClick r:id="rId5" action="ppaction://hlinksldjump" highlightClick="1"/>
-            <a:extLst>
-              <a:ext uri="{FF2B5EF4-FFF2-40B4-BE49-F238E27FC236}">
-                <a16:creationId xmlns:a16="http://schemas.microsoft.com/office/drawing/2014/main" id="{4062870C-29D7-46B5-BA51-221F48195831}"/>
-              </a:ext>
-            </a:extLst>
-          </p:cNvPr>
-          <p:cNvSpPr/>
-          <p:nvPr/>
-        </p:nvSpPr>
-        <p:spPr>
-          <a:xfrm>
-            <a:off x="0" y="0"/>
-            <a:ext cx="1696278" cy="702365"/>
-          </a:xfrm>
-          <a:prstGeom prst="actionButtonBlank">
-            <a:avLst/>
-          </a:prstGeom>
-          <a:noFill/>
-          <a:ln>
-            <a:noFill/>
-          </a:ln>
-        </p:spPr>
-        <p:style>
-          <a:lnRef idx="2">
-            <a:schemeClr val="accent1">
-              <a:shade val="50000"/>
-            </a:schemeClr>
-          </a:lnRef>
-          <a:fillRef idx="1">
-            <a:schemeClr val="accent1"/>
-          </a:fillRef>
-          <a:effectRef idx="0">
-            <a:schemeClr val="accent1"/>
-          </a:effectRef>
-          <a:fontRef idx="minor">
-            <a:schemeClr val="lt1"/>
-          </a:fontRef>
-        </p:style>
-        <p:txBody>
-          <a:bodyPr rtlCol="0" anchor="ctr"/>
-          <a:lstStyle/>
-          <a:p>
-            <a:pPr algn="ctr"/>
-            <a:r>
-              <a:rPr lang="en-GB" dirty="0">
-                <a:solidFill>
-                  <a:schemeClr val="tx1"/>
-                </a:solidFill>
-              </a:rPr>
-              <a:t>Hot Beans Web</a:t>
-            </a:r>
-          </a:p>
-        </p:txBody>
-      </p:sp>
-      <p:sp>
-        <p:nvSpPr>
           <p:cNvPr id="13" name="Action Button: Blank 12">
             <a:hlinkClick r:id="rId5" action="ppaction://hlinksldjump" highlightClick="1"/>
             <a:extLst>
@@ -4234,6 +4177,151 @@
             <a:r>
               <a:rPr lang="en-GB" dirty="0"/>
               <a:t> © 1975 - 2023</a:t>
+            </a:r>
+          </a:p>
+        </p:txBody>
+      </p:sp>
+      <p:sp>
+        <p:nvSpPr>
+          <p:cNvPr id="10" name="Action Button: Blank 9">
+            <a:hlinkClick r:id="rId6" action="ppaction://hlinksldjump" highlightClick="1"/>
+            <a:extLst>
+              <a:ext uri="{FF2B5EF4-FFF2-40B4-BE49-F238E27FC236}">
+                <a16:creationId xmlns:a16="http://schemas.microsoft.com/office/drawing/2014/main" id="{68589C2E-004B-47D8-802E-9F9F4F3FEEBF}"/>
+              </a:ext>
+            </a:extLst>
+          </p:cNvPr>
+          <p:cNvSpPr/>
+          <p:nvPr/>
+        </p:nvSpPr>
+        <p:spPr>
+          <a:xfrm>
+            <a:off x="6785112" y="0"/>
+            <a:ext cx="1696278" cy="702365"/>
+          </a:xfrm>
+          <a:prstGeom prst="actionButtonBlank">
+            <a:avLst/>
+          </a:prstGeom>
+          <a:noFill/>
+          <a:ln>
+            <a:noFill/>
+          </a:ln>
+        </p:spPr>
+        <p:style>
+          <a:lnRef idx="2">
+            <a:schemeClr val="accent1">
+              <a:shade val="50000"/>
+            </a:schemeClr>
+          </a:lnRef>
+          <a:fillRef idx="1">
+            <a:schemeClr val="accent1"/>
+          </a:fillRef>
+          <a:effectRef idx="0">
+            <a:schemeClr val="accent1"/>
+          </a:effectRef>
+          <a:fontRef idx="minor">
+            <a:schemeClr val="lt1"/>
+          </a:fontRef>
+        </p:style>
+        <p:txBody>
+          <a:bodyPr rtlCol="0" anchor="ctr"/>
+          <a:lstStyle/>
+          <a:p>
+            <a:pPr algn="ctr"/>
+            <a:r>
+              <a:rPr lang="en-GB" sz="1800" dirty="0">
+                <a:solidFill>
+                  <a:schemeClr val="tx1"/>
+                </a:solidFill>
+              </a:rPr>
+              <a:t>Courses</a:t>
+            </a:r>
+            <a:endParaRPr lang="en-GB" dirty="0">
+              <a:solidFill>
+                <a:schemeClr val="tx1"/>
+              </a:solidFill>
+            </a:endParaRPr>
+          </a:p>
+        </p:txBody>
+      </p:sp>
+      <p:sp>
+        <p:nvSpPr>
+          <p:cNvPr id="15" name="Action Button: Blank 14">
+            <a:hlinkClick r:id="rId5" action="ppaction://hlinksldjump" highlightClick="1"/>
+            <a:extLst>
+              <a:ext uri="{FF2B5EF4-FFF2-40B4-BE49-F238E27FC236}">
+                <a16:creationId xmlns:a16="http://schemas.microsoft.com/office/drawing/2014/main" id="{36FD254A-ED45-4406-8DD3-7B6F1F8E5389}"/>
+              </a:ext>
+            </a:extLst>
+          </p:cNvPr>
+          <p:cNvSpPr/>
+          <p:nvPr/>
+        </p:nvSpPr>
+        <p:spPr>
+          <a:xfrm>
+            <a:off x="0" y="0"/>
+            <a:ext cx="1696278" cy="702365"/>
+          </a:xfrm>
+          <a:prstGeom prst="actionButtonBlank">
+            <a:avLst/>
+          </a:prstGeom>
+          <a:noFill/>
+          <a:ln>
+            <a:noFill/>
+          </a:ln>
+        </p:spPr>
+        <p:style>
+          <a:lnRef idx="2">
+            <a:schemeClr val="accent1">
+              <a:shade val="50000"/>
+            </a:schemeClr>
+          </a:lnRef>
+          <a:fillRef idx="1">
+            <a:schemeClr val="accent1"/>
+          </a:fillRef>
+          <a:effectRef idx="0">
+            <a:schemeClr val="accent1"/>
+          </a:effectRef>
+          <a:fontRef idx="minor">
+            <a:schemeClr val="lt1"/>
+          </a:fontRef>
+        </p:style>
+        <p:txBody>
+          <a:bodyPr rtlCol="0" anchor="ctr"/>
+          <a:lstStyle/>
+          <a:p>
+            <a:pPr algn="ctr"/>
+            <a:r>
+              <a:rPr lang="en-GB" dirty="0">
+                <a:solidFill>
+                  <a:srgbClr val="FFC000"/>
+                </a:solidFill>
+              </a:rPr>
+              <a:t>Hot</a:t>
+            </a:r>
+            <a:r>
+              <a:rPr lang="en-GB" dirty="0">
+                <a:solidFill>
+                  <a:schemeClr val="tx1"/>
+                </a:solidFill>
+              </a:rPr>
+              <a:t> </a:t>
+            </a:r>
+            <a:r>
+              <a:rPr lang="en-GB" dirty="0">
+                <a:solidFill>
+                  <a:srgbClr val="C00000"/>
+                </a:solidFill>
+              </a:rPr>
+              <a:t>Beans</a:t>
+            </a:r>
+            <a:r>
+              <a:rPr lang="en-GB" dirty="0">
+                <a:solidFill>
+                  <a:schemeClr val="tx1"/>
+                </a:solidFill>
+              </a:rPr>
+              <a:t> Web</a:t>
             </a:r>
           </a:p>
         </p:txBody>
@@ -4668,7 +4756,7 @@
         <p:spPr>
           <a:xfrm>
             <a:off x="437322" y="1337366"/>
-            <a:ext cx="4479234" cy="1415772"/>
+            <a:ext cx="4769678" cy="3354765"/>
           </a:xfrm>
           <a:prstGeom prst="rect">
             <a:avLst/>
@@ -4683,7 +4771,7 @@
           <a:p>
             <a:r>
               <a:rPr lang="en-GB" sz="3200" dirty="0"/>
-              <a:t>Contact Form.</a:t>
+              <a:t>Contact / Application Form.</a:t>
             </a:r>
           </a:p>
           <a:p>
@@ -4692,8 +4780,59 @@
           <a:p>
             <a:r>
               <a:rPr lang="en-GB" dirty="0"/>
-              <a:t>This contact form can be used to send us a message or apply for a job.</a:t>
-            </a:r>
+              <a:t>This contact form can be used to send us a message or apply for a </a:t>
+            </a:r>
+            <a:r>
+              <a:rPr lang="en-GB" dirty="0">
+                <a:hlinkClick r:id="rId4" action="ppaction://hlinksldjump"/>
+              </a:rPr>
+              <a:t>job</a:t>
+            </a:r>
+            <a:r>
+              <a:rPr lang="en-GB" dirty="0"/>
+              <a:t>.</a:t>
+            </a:r>
+          </a:p>
+          <a:p>
+            <a:r>
+              <a:rPr lang="en-GB" dirty="0"/>
+              <a:t>Take a look at our </a:t>
+            </a:r>
+            <a:r>
+              <a:rPr lang="en-GB" dirty="0">
+                <a:hlinkClick r:id="rId5" action="ppaction://hlinksldjump"/>
+              </a:rPr>
+              <a:t>development courses</a:t>
+            </a:r>
+            <a:r>
+              <a:rPr lang="en-GB" dirty="0"/>
+              <a:t> so you can get started if you’re not ready.</a:t>
+            </a:r>
+          </a:p>
+          <a:p>
+            <a:endParaRPr lang="en-GB" dirty="0"/>
+          </a:p>
+          <a:p>
+            <a:r>
+              <a:rPr lang="en-GB" dirty="0"/>
+              <a:t>You may look at some of </a:t>
+            </a:r>
+            <a:r>
+              <a:rPr lang="en-GB" dirty="0">
+                <a:hlinkClick r:id="rId6" action="ppaction://hlinksldjump"/>
+              </a:rPr>
+              <a:t>our team members</a:t>
+            </a:r>
+            <a:r>
+              <a:rPr lang="en-GB" dirty="0"/>
+              <a:t> to see if you will fit it.</a:t>
+            </a:r>
+          </a:p>
+          <a:p>
+            <a:endParaRPr lang="en-GB" dirty="0"/>
+          </a:p>
+          <a:p>
+            <a:endParaRPr lang="en-GB" dirty="0"/>
           </a:p>
         </p:txBody>
       </p:sp>
@@ -4758,7 +4897,7 @@
       <p:sp>
         <p:nvSpPr>
           <p:cNvPr id="26" name="Action Button: Blank 25">
-            <a:hlinkClick r:id="rId5" action="ppaction://hlinksldjump" highlightClick="1"/>
+            <a:hlinkClick r:id="rId7" action="ppaction://hlinksldjump" highlightClick="1"/>
             <a:extLst>
               <a:ext uri="{FF2B5EF4-FFF2-40B4-BE49-F238E27FC236}">
                 <a16:creationId xmlns:a16="http://schemas.microsoft.com/office/drawing/2014/main" id="{F579FF18-63EB-4B48-8805-E8C3FFC54B12}"/>
@@ -4805,10 +4944,34 @@
             <a:r>
               <a:rPr lang="en-GB" dirty="0">
                 <a:solidFill>
+                  <a:srgbClr val="FFC000"/>
+                </a:solidFill>
+              </a:rPr>
+              <a:t>Hot</a:t>
+            </a:r>
+            <a:r>
+              <a:rPr lang="en-GB" dirty="0">
+                <a:solidFill>
                   <a:schemeClr val="tx1"/>
                 </a:solidFill>
               </a:rPr>
-              <a:t>Hot Beans Web</a:t>
+              <a:t> </a:t>
+            </a:r>
+            <a:r>
+              <a:rPr lang="en-GB" dirty="0">
+                <a:solidFill>
+                  <a:srgbClr val="C00000"/>
+                </a:solidFill>
+              </a:rPr>
+              <a:t>Beans</a:t>
+            </a:r>
+            <a:r>
+              <a:rPr lang="en-GB" dirty="0">
+                <a:solidFill>
+                  <a:schemeClr val="tx1"/>
+                </a:solidFill>
+              </a:rPr>
+              <a:t> Web</a:t>
             </a:r>
           </a:p>
         </p:txBody>
@@ -4816,7 +4979,7 @@
       <p:sp>
         <p:nvSpPr>
           <p:cNvPr id="27" name="Action Button: Blank 26">
-            <a:hlinkClick r:id="rId5" action="ppaction://hlinksldjump" highlightClick="1"/>
+            <a:hlinkClick r:id="rId7" action="ppaction://hlinksldjump" highlightClick="1"/>
             <a:extLst>
               <a:ext uri="{FF2B5EF4-FFF2-40B4-BE49-F238E27FC236}">
                 <a16:creationId xmlns:a16="http://schemas.microsoft.com/office/drawing/2014/main" id="{F0AD203B-EAC4-49DA-B482-AEEA9DF073BB}"/>
@@ -4929,7 +5092,7 @@
             <a:pPr algn="ctr"/>
             <a:r>
               <a:rPr lang="en-GB" dirty="0">
-                <a:hlinkClick r:id="rId5" action="ppaction://hlinksldjump"/>
+                <a:hlinkClick r:id="rId7" action="ppaction://hlinksldjump"/>
               </a:rPr>
               <a:t>Hot Beans Web</a:t>
             </a:r>
@@ -4937,6 +5100,69 @@
               <a:rPr lang="en-GB" dirty="0"/>
               <a:t> © 1975 - 2023</a:t>
             </a:r>
+          </a:p>
+        </p:txBody>
+      </p:sp>
+      <p:sp>
+        <p:nvSpPr>
+          <p:cNvPr id="19" name="Action Button: Blank 18">
+            <a:hlinkClick r:id="rId5" action="ppaction://hlinksldjump" highlightClick="1"/>
+            <a:extLst>
+              <a:ext uri="{FF2B5EF4-FFF2-40B4-BE49-F238E27FC236}">
+                <a16:creationId xmlns:a16="http://schemas.microsoft.com/office/drawing/2014/main" id="{FB8FE589-E6B2-4909-AF2D-6EF8EC1943F6}"/>
+              </a:ext>
+            </a:extLst>
+          </p:cNvPr>
+          <p:cNvSpPr/>
+          <p:nvPr/>
+        </p:nvSpPr>
+        <p:spPr>
+          <a:xfrm>
+            <a:off x="6785112" y="0"/>
+            <a:ext cx="1696278" cy="702365"/>
+          </a:xfrm>
+          <a:prstGeom prst="actionButtonBlank">
+            <a:avLst/>
+          </a:prstGeom>
+          <a:noFill/>
+          <a:ln>
+            <a:noFill/>
+          </a:ln>
+        </p:spPr>
+        <p:style>
+          <a:lnRef idx="2">
+            <a:schemeClr val="accent1">
+              <a:shade val="50000"/>
+            </a:schemeClr>
+          </a:lnRef>
+          <a:fillRef idx="1">
+            <a:schemeClr val="accent1"/>
+          </a:fillRef>
+          <a:effectRef idx="0">
+            <a:schemeClr val="accent1"/>
+          </a:effectRef>
+          <a:fontRef idx="minor">
+            <a:schemeClr val="lt1"/>
+          </a:fontRef>
+        </p:style>
+        <p:txBody>
+          <a:bodyPr rtlCol="0" anchor="ctr"/>
+          <a:lstStyle/>
+          <a:p>
+            <a:pPr algn="ctr"/>
+            <a:r>
+              <a:rPr lang="en-GB" sz="1800" dirty="0">
+                <a:solidFill>
+                  <a:schemeClr val="tx1"/>
+                </a:solidFill>
+              </a:rPr>
+              <a:t>Courses</a:t>
+            </a:r>
+            <a:endParaRPr lang="en-GB" dirty="0">
+              <a:solidFill>
+                <a:schemeClr val="tx1"/>
+              </a:solidFill>
+            </a:endParaRPr>
           </a:p>
         </p:txBody>
       </p:sp>
@@ -5147,7 +5373,17 @@
           <a:p>
             <a:r>
               <a:rPr lang="en-GB" dirty="0"/>
-              <a:t>Take a look at W3Schools or Udemy for web development courses.</a:t>
+              <a:t>Take a look at </a:t>
+            </a:r>
+            <a:r>
+              <a:rPr lang="en-GB" dirty="0">
+                <a:hlinkClick r:id="rId3" action="ppaction://hlinksldjump"/>
+              </a:rPr>
+              <a:t>development courses</a:t>
+            </a:r>
+            <a:r>
+              <a:rPr lang="en-GB" dirty="0"/>
+              <a:t> so you can get started.</a:t>
             </a:r>
           </a:p>
         </p:txBody>
@@ -5155,7 +5391,7 @@
       <p:sp>
         <p:nvSpPr>
           <p:cNvPr id="12" name="Action Button: Blank 11">
-            <a:hlinkClick r:id="rId3" action="ppaction://hlinksldjump" highlightClick="1"/>
+            <a:hlinkClick r:id="rId4" action="ppaction://hlinksldjump" highlightClick="1"/>
             <a:extLst>
               <a:ext uri="{FF2B5EF4-FFF2-40B4-BE49-F238E27FC236}">
                 <a16:creationId xmlns:a16="http://schemas.microsoft.com/office/drawing/2014/main" id="{628E928F-F49A-41EE-89B5-D14913DDDB7D}"/>
@@ -5564,66 +5800,8 @@
       </p:graphicFrame>
       <p:sp>
         <p:nvSpPr>
-          <p:cNvPr id="13" name="Action Button: Blank 12">
-            <a:hlinkClick r:id="rId4" action="ppaction://hlinksldjump" highlightClick="1"/>
-            <a:extLst>
-              <a:ext uri="{FF2B5EF4-FFF2-40B4-BE49-F238E27FC236}">
-                <a16:creationId xmlns:a16="http://schemas.microsoft.com/office/drawing/2014/main" id="{8637918A-B70F-4EFE-B3E3-D7C5944D6279}"/>
-              </a:ext>
-            </a:extLst>
-          </p:cNvPr>
-          <p:cNvSpPr/>
-          <p:nvPr/>
-        </p:nvSpPr>
-        <p:spPr>
-          <a:xfrm>
-            <a:off x="0" y="0"/>
-            <a:ext cx="1696278" cy="702365"/>
-          </a:xfrm>
-          <a:prstGeom prst="actionButtonBlank">
-            <a:avLst/>
-          </a:prstGeom>
-          <a:noFill/>
-          <a:ln>
-            <a:noFill/>
-          </a:ln>
-        </p:spPr>
-        <p:style>
-          <a:lnRef idx="2">
-            <a:schemeClr val="accent1">
-              <a:shade val="50000"/>
-            </a:schemeClr>
-          </a:lnRef>
-          <a:fillRef idx="1">
-            <a:schemeClr val="accent1"/>
-          </a:fillRef>
-          <a:effectRef idx="0">
-            <a:schemeClr val="accent1"/>
-          </a:effectRef>
-          <a:fontRef idx="minor">
-            <a:schemeClr val="lt1"/>
-          </a:fontRef>
-        </p:style>
-        <p:txBody>
-          <a:bodyPr rtlCol="0" anchor="ctr"/>
-          <a:lstStyle/>
-          <a:p>
-            <a:pPr algn="ctr"/>
-            <a:r>
-              <a:rPr lang="en-GB" dirty="0">
-                <a:solidFill>
-                  <a:schemeClr val="tx1"/>
-                </a:solidFill>
-              </a:rPr>
-              <a:t>Hot Beans Web</a:t>
-            </a:r>
-          </a:p>
-        </p:txBody>
-      </p:sp>
-      <p:sp>
-        <p:nvSpPr>
           <p:cNvPr id="14" name="Action Button: Blank 13">
-            <a:hlinkClick r:id="rId4" action="ppaction://hlinksldjump" highlightClick="1"/>
+            <a:hlinkClick r:id="rId5" action="ppaction://hlinksldjump" highlightClick="1"/>
             <a:extLst>
               <a:ext uri="{FF2B5EF4-FFF2-40B4-BE49-F238E27FC236}">
                 <a16:creationId xmlns:a16="http://schemas.microsoft.com/office/drawing/2014/main" id="{DA8B35B4-302F-4D92-8BAB-5D6BA4D53A62}"/>
@@ -5736,13 +5914,158 @@
             <a:pPr algn="ctr"/>
             <a:r>
               <a:rPr lang="en-GB" dirty="0">
-                <a:hlinkClick r:id="rId4" action="ppaction://hlinksldjump"/>
+                <a:hlinkClick r:id="rId5" action="ppaction://hlinksldjump"/>
               </a:rPr>
               <a:t>Hot Beans Web</a:t>
             </a:r>
             <a:r>
               <a:rPr lang="en-GB" dirty="0"/>
               <a:t> © 1975 - 2023</a:t>
+            </a:r>
+          </a:p>
+        </p:txBody>
+      </p:sp>
+      <p:sp>
+        <p:nvSpPr>
+          <p:cNvPr id="10" name="Action Button: Blank 9">
+            <a:hlinkClick r:id="rId3" action="ppaction://hlinksldjump" highlightClick="1"/>
+            <a:extLst>
+              <a:ext uri="{FF2B5EF4-FFF2-40B4-BE49-F238E27FC236}">
+                <a16:creationId xmlns:a16="http://schemas.microsoft.com/office/drawing/2014/main" id="{5EE9C336-7AAD-4879-9884-B46E965B8A21}"/>
+              </a:ext>
+            </a:extLst>
+          </p:cNvPr>
+          <p:cNvSpPr/>
+          <p:nvPr/>
+        </p:nvSpPr>
+        <p:spPr>
+          <a:xfrm>
+            <a:off x="6785112" y="0"/>
+            <a:ext cx="1696278" cy="702365"/>
+          </a:xfrm>
+          <a:prstGeom prst="actionButtonBlank">
+            <a:avLst/>
+          </a:prstGeom>
+          <a:noFill/>
+          <a:ln>
+            <a:noFill/>
+          </a:ln>
+        </p:spPr>
+        <p:style>
+          <a:lnRef idx="2">
+            <a:schemeClr val="accent1">
+              <a:shade val="50000"/>
+            </a:schemeClr>
+          </a:lnRef>
+          <a:fillRef idx="1">
+            <a:schemeClr val="accent1"/>
+          </a:fillRef>
+          <a:effectRef idx="0">
+            <a:schemeClr val="accent1"/>
+          </a:effectRef>
+          <a:fontRef idx="minor">
+            <a:schemeClr val="lt1"/>
+          </a:fontRef>
+        </p:style>
+        <p:txBody>
+          <a:bodyPr rtlCol="0" anchor="ctr"/>
+          <a:lstStyle/>
+          <a:p>
+            <a:pPr algn="ctr"/>
+            <a:r>
+              <a:rPr lang="en-GB" sz="1800" dirty="0">
+                <a:solidFill>
+                  <a:schemeClr val="tx1"/>
+                </a:solidFill>
+              </a:rPr>
+              <a:t>Courses</a:t>
+            </a:r>
+            <a:endParaRPr lang="en-GB" dirty="0">
+              <a:solidFill>
+                <a:schemeClr val="tx1"/>
+              </a:solidFill>
+            </a:endParaRPr>
+          </a:p>
+        </p:txBody>
+      </p:sp>
+      <p:sp>
+        <p:nvSpPr>
+          <p:cNvPr id="11" name="Action Button: Blank 10">
+            <a:hlinkClick r:id="rId5" action="ppaction://hlinksldjump" highlightClick="1"/>
+            <a:extLst>
+              <a:ext uri="{FF2B5EF4-FFF2-40B4-BE49-F238E27FC236}">
+                <a16:creationId xmlns:a16="http://schemas.microsoft.com/office/drawing/2014/main" id="{0305D5D0-9041-4558-97CD-0CAEECF4A6EC}"/>
+              </a:ext>
+            </a:extLst>
+          </p:cNvPr>
+          <p:cNvSpPr/>
+          <p:nvPr/>
+        </p:nvSpPr>
+        <p:spPr>
+          <a:xfrm>
+            <a:off x="0" y="0"/>
+            <a:ext cx="1696278" cy="702365"/>
+          </a:xfrm>
+          <a:prstGeom prst="actionButtonBlank">
+            <a:avLst/>
+          </a:prstGeom>
+          <a:noFill/>
+          <a:ln>
+            <a:noFill/>
+          </a:ln>
+        </p:spPr>
+        <p:style>
+          <a:lnRef idx="2">
+            <a:schemeClr val="accent1">
+              <a:shade val="50000"/>
+            </a:schemeClr>
+          </a:lnRef>
+          <a:fillRef idx="1">
+            <a:schemeClr val="accent1"/>
+          </a:fillRef>
+          <a:effectRef idx="0">
+            <a:schemeClr val="accent1"/>
+          </a:effectRef>
+          <a:fontRef idx="minor">
+            <a:schemeClr val="lt1"/>
+          </a:fontRef>
+        </p:style>
+        <p:txBody>
+          <a:bodyPr rtlCol="0" anchor="ctr"/>
+          <a:lstStyle/>
+          <a:p>
+            <a:pPr algn="ctr"/>
+            <a:r>
+              <a:rPr lang="en-GB" dirty="0">
+                <a:solidFill>
+                  <a:srgbClr val="FFC000"/>
+                </a:solidFill>
+              </a:rPr>
+              <a:t>Hot</a:t>
+            </a:r>
+            <a:r>
+              <a:rPr lang="en-GB" dirty="0">
+                <a:solidFill>
+                  <a:schemeClr val="tx1"/>
+                </a:solidFill>
+              </a:rPr>
+              <a:t> </a:t>
+            </a:r>
+            <a:r>
+              <a:rPr lang="en-GB" dirty="0">
+                <a:solidFill>
+                  <a:srgbClr val="C00000"/>
+                </a:solidFill>
+              </a:rPr>
+              <a:t>Beans</a:t>
+            </a:r>
+            <a:r>
+              <a:rPr lang="en-GB" dirty="0">
+                <a:solidFill>
+                  <a:schemeClr val="tx1"/>
+                </a:solidFill>
+              </a:rPr>
+              <a:t> Web</a:t>
             </a:r>
           </a:p>
         </p:txBody>
@@ -5832,64 +6155,6 @@
           <a:p>
             <a:pPr algn="ctr"/>
             <a:endParaRPr lang="en-GB"/>
-          </a:p>
-        </p:txBody>
-      </p:sp>
-      <p:sp>
-        <p:nvSpPr>
-          <p:cNvPr id="6" name="Action Button: Blank 5">
-            <a:hlinkClick r:id="rId2" action="ppaction://hlinksldjump" highlightClick="1"/>
-            <a:extLst>
-              <a:ext uri="{FF2B5EF4-FFF2-40B4-BE49-F238E27FC236}">
-                <a16:creationId xmlns:a16="http://schemas.microsoft.com/office/drawing/2014/main" id="{ECF4F12C-72F3-48A8-A6E5-4362E1A313AE}"/>
-              </a:ext>
-            </a:extLst>
-          </p:cNvPr>
-          <p:cNvSpPr/>
-          <p:nvPr/>
-        </p:nvSpPr>
-        <p:spPr>
-          <a:xfrm>
-            <a:off x="0" y="0"/>
-            <a:ext cx="1696278" cy="702365"/>
-          </a:xfrm>
-          <a:prstGeom prst="actionButtonBlank">
-            <a:avLst/>
-          </a:prstGeom>
-          <a:noFill/>
-          <a:ln>
-            <a:noFill/>
-          </a:ln>
-        </p:spPr>
-        <p:style>
-          <a:lnRef idx="2">
-            <a:schemeClr val="accent1">
-              <a:shade val="50000"/>
-            </a:schemeClr>
-          </a:lnRef>
-          <a:fillRef idx="1">
-            <a:schemeClr val="accent1"/>
-          </a:fillRef>
-          <a:effectRef idx="0">
-            <a:schemeClr val="accent1"/>
-          </a:effectRef>
-          <a:fontRef idx="minor">
-            <a:schemeClr val="lt1"/>
-          </a:fontRef>
-        </p:style>
-        <p:txBody>
-          <a:bodyPr rtlCol="0" anchor="ctr"/>
-          <a:lstStyle/>
-          <a:p>
-            <a:pPr algn="ctr"/>
-            <a:r>
-              <a:rPr lang="en-GB" dirty="0">
-                <a:solidFill>
-                  <a:schemeClr val="tx1"/>
-                </a:solidFill>
-              </a:rPr>
-              <a:t>Hot Beans Web</a:t>
-            </a:r>
           </a:p>
         </p:txBody>
       </p:sp>
@@ -6204,7 +6469,7 @@
         </p:nvSpPr>
         <p:spPr>
           <a:xfrm>
-            <a:off x="397562" y="3215715"/>
+            <a:off x="371061" y="3215715"/>
             <a:ext cx="2650434" cy="2849217"/>
           </a:xfrm>
           <a:prstGeom prst="rect">
@@ -7002,10 +7267,729 @@
           </a:p>
         </p:txBody>
       </p:sp>
+      <p:sp>
+        <p:nvSpPr>
+          <p:cNvPr id="18" name="Action Button: Blank 17">
+            <a:hlinkClick r:id="rId5" action="ppaction://hlinksldjump" highlightClick="1"/>
+            <a:extLst>
+              <a:ext uri="{FF2B5EF4-FFF2-40B4-BE49-F238E27FC236}">
+                <a16:creationId xmlns:a16="http://schemas.microsoft.com/office/drawing/2014/main" id="{ACB3CC48-579A-4EEE-B20F-C094DE5215CB}"/>
+              </a:ext>
+            </a:extLst>
+          </p:cNvPr>
+          <p:cNvSpPr/>
+          <p:nvPr/>
+        </p:nvSpPr>
+        <p:spPr>
+          <a:xfrm>
+            <a:off x="6785112" y="0"/>
+            <a:ext cx="1696278" cy="702365"/>
+          </a:xfrm>
+          <a:prstGeom prst="actionButtonBlank">
+            <a:avLst/>
+          </a:prstGeom>
+          <a:noFill/>
+          <a:ln>
+            <a:noFill/>
+          </a:ln>
+        </p:spPr>
+        <p:style>
+          <a:lnRef idx="2">
+            <a:schemeClr val="accent1">
+              <a:shade val="50000"/>
+            </a:schemeClr>
+          </a:lnRef>
+          <a:fillRef idx="1">
+            <a:schemeClr val="accent1"/>
+          </a:fillRef>
+          <a:effectRef idx="0">
+            <a:schemeClr val="accent1"/>
+          </a:effectRef>
+          <a:fontRef idx="minor">
+            <a:schemeClr val="lt1"/>
+          </a:fontRef>
+        </p:style>
+        <p:txBody>
+          <a:bodyPr rtlCol="0" anchor="ctr"/>
+          <a:lstStyle/>
+          <a:p>
+            <a:pPr algn="ctr"/>
+            <a:r>
+              <a:rPr lang="en-GB" sz="1800" dirty="0">
+                <a:solidFill>
+                  <a:schemeClr val="tx1"/>
+                </a:solidFill>
+              </a:rPr>
+              <a:t>Courses</a:t>
+            </a:r>
+            <a:endParaRPr lang="en-GB" dirty="0">
+              <a:solidFill>
+                <a:schemeClr val="tx1"/>
+              </a:solidFill>
+            </a:endParaRPr>
+          </a:p>
+        </p:txBody>
+      </p:sp>
+      <p:sp>
+        <p:nvSpPr>
+          <p:cNvPr id="19" name="Action Button: Blank 18">
+            <a:hlinkClick r:id="rId2" action="ppaction://hlinksldjump" highlightClick="1"/>
+            <a:extLst>
+              <a:ext uri="{FF2B5EF4-FFF2-40B4-BE49-F238E27FC236}">
+                <a16:creationId xmlns:a16="http://schemas.microsoft.com/office/drawing/2014/main" id="{308C1864-59FC-4763-BE92-49545BF14EB9}"/>
+              </a:ext>
+            </a:extLst>
+          </p:cNvPr>
+          <p:cNvSpPr/>
+          <p:nvPr/>
+        </p:nvSpPr>
+        <p:spPr>
+          <a:xfrm>
+            <a:off x="0" y="0"/>
+            <a:ext cx="1696278" cy="702365"/>
+          </a:xfrm>
+          <a:prstGeom prst="actionButtonBlank">
+            <a:avLst/>
+          </a:prstGeom>
+          <a:noFill/>
+          <a:ln>
+            <a:noFill/>
+          </a:ln>
+        </p:spPr>
+        <p:style>
+          <a:lnRef idx="2">
+            <a:schemeClr val="accent1">
+              <a:shade val="50000"/>
+            </a:schemeClr>
+          </a:lnRef>
+          <a:fillRef idx="1">
+            <a:schemeClr val="accent1"/>
+          </a:fillRef>
+          <a:effectRef idx="0">
+            <a:schemeClr val="accent1"/>
+          </a:effectRef>
+          <a:fontRef idx="minor">
+            <a:schemeClr val="lt1"/>
+          </a:fontRef>
+        </p:style>
+        <p:txBody>
+          <a:bodyPr rtlCol="0" anchor="ctr"/>
+          <a:lstStyle/>
+          <a:p>
+            <a:pPr algn="ctr"/>
+            <a:r>
+              <a:rPr lang="en-GB" dirty="0">
+                <a:solidFill>
+                  <a:srgbClr val="FFC000"/>
+                </a:solidFill>
+              </a:rPr>
+              <a:t>Hot</a:t>
+            </a:r>
+            <a:r>
+              <a:rPr lang="en-GB" dirty="0">
+                <a:solidFill>
+                  <a:schemeClr val="tx1"/>
+                </a:solidFill>
+              </a:rPr>
+              <a:t> </a:t>
+            </a:r>
+            <a:r>
+              <a:rPr lang="en-GB" dirty="0">
+                <a:solidFill>
+                  <a:srgbClr val="C00000"/>
+                </a:solidFill>
+              </a:rPr>
+              <a:t>Beans</a:t>
+            </a:r>
+            <a:r>
+              <a:rPr lang="en-GB" dirty="0">
+                <a:solidFill>
+                  <a:schemeClr val="tx1"/>
+                </a:solidFill>
+              </a:rPr>
+              <a:t> Web</a:t>
+            </a:r>
+          </a:p>
+        </p:txBody>
+      </p:sp>
     </p:spTree>
     <p:extLst>
       <p:ext uri="{BB962C8B-B14F-4D97-AF65-F5344CB8AC3E}">
         <p14:creationId xmlns:p14="http://schemas.microsoft.com/office/powerpoint/2010/main" val="618613902"/>
+      </p:ext>
+    </p:extLst>
+  </p:cSld>
+  <p:clrMapOvr>
+    <a:masterClrMapping/>
+  </p:clrMapOvr>
+</p:sld>
+</file>
+
+<file path=ppt/slides/slide5.xml><?xml version="1.0" encoding="utf-8"?>
+<p:sld xmlns:a="http://schemas.openxmlformats.org/drawingml/2006/main" xmlns:r="http://schemas.openxmlformats.org/officeDocument/2006/relationships" xmlns:p="http://schemas.openxmlformats.org/presentationml/2006/main">
+  <p:cSld>
+    <p:spTree>
+      <p:nvGrpSpPr>
+        <p:cNvPr id="1" name=""/>
+        <p:cNvGrpSpPr/>
+        <p:nvPr/>
+      </p:nvGrpSpPr>
+      <p:grpSpPr>
+        <a:xfrm>
+          <a:off x="0" y="0"/>
+          <a:ext cx="0" cy="0"/>
+          <a:chOff x="0" y="0"/>
+          <a:chExt cx="0" cy="0"/>
+        </a:xfrm>
+      </p:grpSpPr>
+      <p:sp>
+        <p:nvSpPr>
+          <p:cNvPr id="4" name="Rectangle 3">
+            <a:extLst>
+              <a:ext uri="{FF2B5EF4-FFF2-40B4-BE49-F238E27FC236}">
+                <a16:creationId xmlns:a16="http://schemas.microsoft.com/office/drawing/2014/main" id="{741EAEE9-3F1B-4C31-A535-4377B9C6474E}"/>
+              </a:ext>
+            </a:extLst>
+          </p:cNvPr>
+          <p:cNvSpPr/>
+          <p:nvPr/>
+        </p:nvSpPr>
+        <p:spPr>
+          <a:xfrm>
+            <a:off x="0" y="0"/>
+            <a:ext cx="12192000" cy="702365"/>
+          </a:xfrm>
+          <a:prstGeom prst="rect">
+            <a:avLst/>
+          </a:prstGeom>
+          <a:solidFill>
+            <a:schemeClr val="bg1">
+              <a:lumMod val="95000"/>
+            </a:schemeClr>
+          </a:solidFill>
+          <a:ln>
+            <a:solidFill>
+              <a:schemeClr val="bg1">
+                <a:lumMod val="95000"/>
+              </a:schemeClr>
+            </a:solidFill>
+          </a:ln>
+        </p:spPr>
+        <p:style>
+          <a:lnRef idx="2">
+            <a:schemeClr val="accent1">
+              <a:shade val="50000"/>
+            </a:schemeClr>
+          </a:lnRef>
+          <a:fillRef idx="1">
+            <a:schemeClr val="accent1"/>
+          </a:fillRef>
+          <a:effectRef idx="0">
+            <a:schemeClr val="accent1"/>
+          </a:effectRef>
+          <a:fontRef idx="minor">
+            <a:schemeClr val="lt1"/>
+          </a:fontRef>
+        </p:style>
+        <p:txBody>
+          <a:bodyPr rtlCol="0" anchor="ctr"/>
+          <a:lstStyle/>
+          <a:p>
+            <a:pPr algn="ctr"/>
+            <a:endParaRPr lang="en-GB"/>
+          </a:p>
+        </p:txBody>
+      </p:sp>
+      <p:sp>
+        <p:nvSpPr>
+          <p:cNvPr id="8" name="Action Button: Blank 7">
+            <a:hlinkClick r:id="rId2" action="ppaction://hlinksldjump" highlightClick="1"/>
+            <a:extLst>
+              <a:ext uri="{FF2B5EF4-FFF2-40B4-BE49-F238E27FC236}">
+                <a16:creationId xmlns:a16="http://schemas.microsoft.com/office/drawing/2014/main" id="{D9C2D946-BD51-40BA-8DC5-5B9856AFB39D}"/>
+              </a:ext>
+            </a:extLst>
+          </p:cNvPr>
+          <p:cNvSpPr/>
+          <p:nvPr/>
+        </p:nvSpPr>
+        <p:spPr>
+          <a:xfrm>
+            <a:off x="3392556" y="-1"/>
+            <a:ext cx="1696278" cy="702365"/>
+          </a:xfrm>
+          <a:prstGeom prst="actionButtonBlank">
+            <a:avLst/>
+          </a:prstGeom>
+          <a:noFill/>
+          <a:ln>
+            <a:noFill/>
+          </a:ln>
+        </p:spPr>
+        <p:style>
+          <a:lnRef idx="2">
+            <a:schemeClr val="accent1">
+              <a:shade val="50000"/>
+            </a:schemeClr>
+          </a:lnRef>
+          <a:fillRef idx="1">
+            <a:schemeClr val="accent1"/>
+          </a:fillRef>
+          <a:effectRef idx="0">
+            <a:schemeClr val="accent1"/>
+          </a:effectRef>
+          <a:fontRef idx="minor">
+            <a:schemeClr val="lt1"/>
+          </a:fontRef>
+        </p:style>
+        <p:txBody>
+          <a:bodyPr rtlCol="0" anchor="ctr"/>
+          <a:lstStyle/>
+          <a:p>
+            <a:pPr algn="ctr"/>
+            <a:r>
+              <a:rPr lang="en-GB" dirty="0">
+                <a:solidFill>
+                  <a:schemeClr val="tx1"/>
+                </a:solidFill>
+              </a:rPr>
+              <a:t>Contact Us</a:t>
+            </a:r>
+          </a:p>
+        </p:txBody>
+      </p:sp>
+      <p:sp>
+        <p:nvSpPr>
+          <p:cNvPr id="9" name="TextBox 8">
+            <a:extLst>
+              <a:ext uri="{FF2B5EF4-FFF2-40B4-BE49-F238E27FC236}">
+                <a16:creationId xmlns:a16="http://schemas.microsoft.com/office/drawing/2014/main" id="{2D9CA22E-A82A-44BA-B7A1-4167F3ABA64C}"/>
+              </a:ext>
+            </a:extLst>
+          </p:cNvPr>
+          <p:cNvSpPr txBox="1"/>
+          <p:nvPr/>
+        </p:nvSpPr>
+        <p:spPr>
+          <a:xfrm>
+            <a:off x="437321" y="1337366"/>
+            <a:ext cx="11092069" cy="3631763"/>
+          </a:xfrm>
+          <a:prstGeom prst="rect">
+            <a:avLst/>
+          </a:prstGeom>
+          <a:noFill/>
+        </p:spPr>
+        <p:txBody>
+          <a:bodyPr wrap="square" rtlCol="0">
+            <a:spAutoFit/>
+          </a:bodyPr>
+          <a:lstStyle/>
+          <a:p>
+            <a:r>
+              <a:rPr lang="en-GB" sz="3200" dirty="0"/>
+              <a:t>Courses.</a:t>
+            </a:r>
+          </a:p>
+          <a:p>
+            <a:endParaRPr lang="en-GB" dirty="0"/>
+          </a:p>
+          <a:p>
+            <a:r>
+              <a:rPr lang="en-GB" dirty="0"/>
+              <a:t>Take a look at W3Schools on a guide on how to start HTML / CSS.</a:t>
+            </a:r>
+          </a:p>
+          <a:p>
+            <a:r>
+              <a:rPr lang="en-GB" dirty="0"/>
+              <a:t>…</a:t>
+            </a:r>
+          </a:p>
+          <a:p>
+            <a:r>
+              <a:rPr lang="en-GB" dirty="0"/>
+              <a:t>…</a:t>
+            </a:r>
+          </a:p>
+          <a:p>
+            <a:r>
+              <a:rPr lang="en-GB" dirty="0"/>
+              <a:t>…</a:t>
+            </a:r>
+          </a:p>
+          <a:p>
+            <a:r>
+              <a:rPr lang="en-GB" dirty="0"/>
+              <a:t>…</a:t>
+            </a:r>
+          </a:p>
+          <a:p>
+            <a:r>
+              <a:rPr lang="en-GB" dirty="0"/>
+              <a:t>…</a:t>
+            </a:r>
+          </a:p>
+          <a:p>
+            <a:r>
+              <a:rPr lang="en-GB" dirty="0"/>
+              <a:t>…</a:t>
+            </a:r>
+          </a:p>
+          <a:p>
+            <a:r>
+              <a:rPr lang="en-GB" dirty="0"/>
+              <a:t>…</a:t>
+            </a:r>
+          </a:p>
+          <a:p>
+            <a:r>
+              <a:rPr lang="en-GB" dirty="0"/>
+              <a:t>…</a:t>
+            </a:r>
+          </a:p>
+          <a:p>
+            <a:r>
+              <a:rPr lang="en-GB" dirty="0"/>
+              <a:t>More to come soon!</a:t>
+            </a:r>
+          </a:p>
+        </p:txBody>
+      </p:sp>
+      <p:sp>
+        <p:nvSpPr>
+          <p:cNvPr id="11" name="Action Button: Blank 10">
+            <a:hlinkClick r:id="rId3" action="ppaction://hlinksldjump" highlightClick="1"/>
+            <a:extLst>
+              <a:ext uri="{FF2B5EF4-FFF2-40B4-BE49-F238E27FC236}">
+                <a16:creationId xmlns:a16="http://schemas.microsoft.com/office/drawing/2014/main" id="{464D9947-ECC5-408D-AEE7-1380712B3494}"/>
+              </a:ext>
+            </a:extLst>
+          </p:cNvPr>
+          <p:cNvSpPr/>
+          <p:nvPr/>
+        </p:nvSpPr>
+        <p:spPr>
+          <a:xfrm>
+            <a:off x="5088834" y="0"/>
+            <a:ext cx="1696278" cy="702365"/>
+          </a:xfrm>
+          <a:prstGeom prst="actionButtonBlank">
+            <a:avLst/>
+          </a:prstGeom>
+          <a:noFill/>
+          <a:ln>
+            <a:noFill/>
+          </a:ln>
+        </p:spPr>
+        <p:style>
+          <a:lnRef idx="2">
+            <a:schemeClr val="accent1">
+              <a:shade val="50000"/>
+            </a:schemeClr>
+          </a:lnRef>
+          <a:fillRef idx="1">
+            <a:schemeClr val="accent1"/>
+          </a:fillRef>
+          <a:effectRef idx="0">
+            <a:schemeClr val="accent1"/>
+          </a:effectRef>
+          <a:fontRef idx="minor">
+            <a:schemeClr val="lt1"/>
+          </a:fontRef>
+        </p:style>
+        <p:txBody>
+          <a:bodyPr rtlCol="0" anchor="ctr"/>
+          <a:lstStyle/>
+          <a:p>
+            <a:pPr algn="ctr"/>
+            <a:r>
+              <a:rPr lang="en-GB" dirty="0">
+                <a:solidFill>
+                  <a:schemeClr val="tx1"/>
+                </a:solidFill>
+              </a:rPr>
+              <a:t>Jobs</a:t>
+            </a:r>
+          </a:p>
+        </p:txBody>
+      </p:sp>
+      <p:sp>
+        <p:nvSpPr>
+          <p:cNvPr id="13" name="Action Button: Blank 12">
+            <a:hlinkClick r:id="rId4" action="ppaction://hlinksldjump" highlightClick="1"/>
+            <a:extLst>
+              <a:ext uri="{FF2B5EF4-FFF2-40B4-BE49-F238E27FC236}">
+                <a16:creationId xmlns:a16="http://schemas.microsoft.com/office/drawing/2014/main" id="{B485C82A-357A-4EB1-A64D-4DC17372DE1B}"/>
+              </a:ext>
+            </a:extLst>
+          </p:cNvPr>
+          <p:cNvSpPr/>
+          <p:nvPr/>
+        </p:nvSpPr>
+        <p:spPr>
+          <a:xfrm>
+            <a:off x="1696278" y="0"/>
+            <a:ext cx="1696278" cy="702365"/>
+          </a:xfrm>
+          <a:prstGeom prst="actionButtonBlank">
+            <a:avLst/>
+          </a:prstGeom>
+          <a:noFill/>
+          <a:ln>
+            <a:noFill/>
+          </a:ln>
+        </p:spPr>
+        <p:style>
+          <a:lnRef idx="2">
+            <a:schemeClr val="accent1">
+              <a:shade val="50000"/>
+            </a:schemeClr>
+          </a:lnRef>
+          <a:fillRef idx="1">
+            <a:schemeClr val="accent1"/>
+          </a:fillRef>
+          <a:effectRef idx="0">
+            <a:schemeClr val="accent1"/>
+          </a:effectRef>
+          <a:fontRef idx="minor">
+            <a:schemeClr val="lt1"/>
+          </a:fontRef>
+        </p:style>
+        <p:txBody>
+          <a:bodyPr rtlCol="0" anchor="ctr"/>
+          <a:lstStyle/>
+          <a:p>
+            <a:pPr algn="ctr"/>
+            <a:r>
+              <a:rPr lang="en-GB" dirty="0">
+                <a:solidFill>
+                  <a:schemeClr val="tx1"/>
+                </a:solidFill>
+              </a:rPr>
+              <a:t>About Us</a:t>
+            </a:r>
+          </a:p>
+        </p:txBody>
+      </p:sp>
+      <p:sp>
+        <p:nvSpPr>
+          <p:cNvPr id="14" name="Rectangle 13">
+            <a:extLst>
+              <a:ext uri="{FF2B5EF4-FFF2-40B4-BE49-F238E27FC236}">
+                <a16:creationId xmlns:a16="http://schemas.microsoft.com/office/drawing/2014/main" id="{ECE2CEA1-045B-4AA7-88C3-D2608963BB87}"/>
+              </a:ext>
+            </a:extLst>
+          </p:cNvPr>
+          <p:cNvSpPr/>
+          <p:nvPr/>
+        </p:nvSpPr>
+        <p:spPr>
+          <a:xfrm>
+            <a:off x="0" y="6488668"/>
+            <a:ext cx="12192000" cy="369332"/>
+          </a:xfrm>
+          <a:prstGeom prst="rect">
+            <a:avLst/>
+          </a:prstGeom>
+          <a:solidFill>
+            <a:schemeClr val="tx1">
+              <a:lumMod val="75000"/>
+              <a:lumOff val="25000"/>
+            </a:schemeClr>
+          </a:solidFill>
+          <a:ln>
+            <a:solidFill>
+              <a:schemeClr val="tx1">
+                <a:lumMod val="75000"/>
+                <a:lumOff val="25000"/>
+              </a:schemeClr>
+            </a:solidFill>
+          </a:ln>
+        </p:spPr>
+        <p:style>
+          <a:lnRef idx="2">
+            <a:schemeClr val="accent1">
+              <a:shade val="50000"/>
+            </a:schemeClr>
+          </a:lnRef>
+          <a:fillRef idx="1">
+            <a:schemeClr val="accent1"/>
+          </a:fillRef>
+          <a:effectRef idx="0">
+            <a:schemeClr val="accent1"/>
+          </a:effectRef>
+          <a:fontRef idx="minor">
+            <a:schemeClr val="lt1"/>
+          </a:fontRef>
+        </p:style>
+        <p:txBody>
+          <a:bodyPr rtlCol="0" anchor="t"/>
+          <a:lstStyle/>
+          <a:p>
+            <a:pPr algn="ctr"/>
+            <a:r>
+              <a:rPr lang="en-GB" dirty="0">
+                <a:hlinkClick r:id="rId4" action="ppaction://hlinksldjump"/>
+              </a:rPr>
+              <a:t>Hot Beans Web</a:t>
+            </a:r>
+            <a:r>
+              <a:rPr lang="en-GB" dirty="0"/>
+              <a:t> © 1975 - 2023</a:t>
+            </a:r>
+          </a:p>
+        </p:txBody>
+      </p:sp>
+      <p:sp>
+        <p:nvSpPr>
+          <p:cNvPr id="10" name="Action Button: Blank 9">
+            <a:hlinkClick r:id="rId5" action="ppaction://hlinksldjump" highlightClick="1"/>
+            <a:extLst>
+              <a:ext uri="{FF2B5EF4-FFF2-40B4-BE49-F238E27FC236}">
+                <a16:creationId xmlns:a16="http://schemas.microsoft.com/office/drawing/2014/main" id="{3DA171BD-133E-4913-A1E6-FAE22A55CC8D}"/>
+              </a:ext>
+            </a:extLst>
+          </p:cNvPr>
+          <p:cNvSpPr/>
+          <p:nvPr/>
+        </p:nvSpPr>
+        <p:spPr>
+          <a:xfrm>
+            <a:off x="6785112" y="0"/>
+            <a:ext cx="1696278" cy="702365"/>
+          </a:xfrm>
+          <a:prstGeom prst="actionButtonBlank">
+            <a:avLst/>
+          </a:prstGeom>
+          <a:noFill/>
+          <a:ln>
+            <a:noFill/>
+          </a:ln>
+        </p:spPr>
+        <p:style>
+          <a:lnRef idx="2">
+            <a:schemeClr val="accent1">
+              <a:shade val="50000"/>
+            </a:schemeClr>
+          </a:lnRef>
+          <a:fillRef idx="1">
+            <a:schemeClr val="accent1"/>
+          </a:fillRef>
+          <a:effectRef idx="0">
+            <a:schemeClr val="accent1"/>
+          </a:effectRef>
+          <a:fontRef idx="minor">
+            <a:schemeClr val="lt1"/>
+          </a:fontRef>
+        </p:style>
+        <p:txBody>
+          <a:bodyPr rtlCol="0" anchor="ctr"/>
+          <a:lstStyle/>
+          <a:p>
+            <a:pPr algn="ctr"/>
+            <a:r>
+              <a:rPr lang="en-GB" sz="1800" dirty="0">
+                <a:solidFill>
+                  <a:schemeClr val="tx1"/>
+                </a:solidFill>
+              </a:rPr>
+              <a:t>Courses</a:t>
+            </a:r>
+            <a:endParaRPr lang="en-GB" dirty="0">
+              <a:solidFill>
+                <a:schemeClr val="tx1"/>
+              </a:solidFill>
+            </a:endParaRPr>
+          </a:p>
+        </p:txBody>
+      </p:sp>
+      <p:sp>
+        <p:nvSpPr>
+          <p:cNvPr id="15" name="Action Button: Blank 14">
+            <a:hlinkClick r:id="rId4" action="ppaction://hlinksldjump" highlightClick="1"/>
+            <a:extLst>
+              <a:ext uri="{FF2B5EF4-FFF2-40B4-BE49-F238E27FC236}">
+                <a16:creationId xmlns:a16="http://schemas.microsoft.com/office/drawing/2014/main" id="{55BB8729-6EED-44C3-B6DB-4B086BCA90A5}"/>
+              </a:ext>
+            </a:extLst>
+          </p:cNvPr>
+          <p:cNvSpPr/>
+          <p:nvPr/>
+        </p:nvSpPr>
+        <p:spPr>
+          <a:xfrm>
+            <a:off x="0" y="0"/>
+            <a:ext cx="1696278" cy="702365"/>
+          </a:xfrm>
+          <a:prstGeom prst="actionButtonBlank">
+            <a:avLst/>
+          </a:prstGeom>
+          <a:noFill/>
+          <a:ln>
+            <a:noFill/>
+          </a:ln>
+        </p:spPr>
+        <p:style>
+          <a:lnRef idx="2">
+            <a:schemeClr val="accent1">
+              <a:shade val="50000"/>
+            </a:schemeClr>
+          </a:lnRef>
+          <a:fillRef idx="1">
+            <a:schemeClr val="accent1"/>
+          </a:fillRef>
+          <a:effectRef idx="0">
+            <a:schemeClr val="accent1"/>
+          </a:effectRef>
+          <a:fontRef idx="minor">
+            <a:schemeClr val="lt1"/>
+          </a:fontRef>
+        </p:style>
+        <p:txBody>
+          <a:bodyPr rtlCol="0" anchor="ctr"/>
+          <a:lstStyle/>
+          <a:p>
+            <a:pPr algn="ctr"/>
+            <a:r>
+              <a:rPr lang="en-GB" dirty="0">
+                <a:solidFill>
+                  <a:srgbClr val="FFC000"/>
+                </a:solidFill>
+              </a:rPr>
+              <a:t>Hot</a:t>
+            </a:r>
+            <a:r>
+              <a:rPr lang="en-GB" dirty="0">
+                <a:solidFill>
+                  <a:schemeClr val="tx1"/>
+                </a:solidFill>
+              </a:rPr>
+              <a:t> </a:t>
+            </a:r>
+            <a:r>
+              <a:rPr lang="en-GB" dirty="0">
+                <a:solidFill>
+                  <a:srgbClr val="C00000"/>
+                </a:solidFill>
+              </a:rPr>
+              <a:t>Beans</a:t>
+            </a:r>
+            <a:r>
+              <a:rPr lang="en-GB" dirty="0">
+                <a:solidFill>
+                  <a:schemeClr val="tx1"/>
+                </a:solidFill>
+              </a:rPr>
+              <a:t> Web</a:t>
+            </a:r>
+          </a:p>
+        </p:txBody>
+      </p:sp>
+    </p:spTree>
+    <p:extLst>
+      <p:ext uri="{BB962C8B-B14F-4D97-AF65-F5344CB8AC3E}">
+        <p14:creationId xmlns:p14="http://schemas.microsoft.com/office/powerpoint/2010/main" val="3319086923"/>
       </p:ext>
     </p:extLst>
   </p:cSld>
